--- a/Docs/05_SentenciasDeControl.pptx
+++ b/Docs/05_SentenciasDeControl.pptx
@@ -12,6 +12,9 @@
     <p:sldId id="267" r:id="rId6"/>
     <p:sldId id="265" r:id="rId7"/>
     <p:sldId id="266" r:id="rId8"/>
+    <p:sldId id="269" r:id="rId9"/>
+    <p:sldId id="270" r:id="rId10"/>
+    <p:sldId id="271" r:id="rId11"/>
   </p:sldIdLst>
   <p:sldSz cx="12192000" cy="6858000"/>
   <p:notesSz cx="6858000" cy="9144000"/>
@@ -314,7 +317,7 @@
           <a:p>
             <a:fld id="{7E71651A-C82F-4681-A516-2EF0C18AA360}" type="datetimeFigureOut">
               <a:rPr lang="es-MX" smtClean="0"/>
-              <a:t>28/02/2024</a:t>
+              <a:t>04/03/2024</a:t>
             </a:fld>
             <a:endParaRPr lang="es-MX"/>
           </a:p>
@@ -595,7 +598,7 @@
           <a:p>
             <a:fld id="{7E71651A-C82F-4681-A516-2EF0C18AA360}" type="datetimeFigureOut">
               <a:rPr lang="es-MX" smtClean="0"/>
-              <a:t>28/02/2024</a:t>
+              <a:t>04/03/2024</a:t>
             </a:fld>
             <a:endParaRPr lang="es-MX"/>
           </a:p>
@@ -787,7 +790,7 @@
           <a:p>
             <a:fld id="{7E71651A-C82F-4681-A516-2EF0C18AA360}" type="datetimeFigureOut">
               <a:rPr lang="es-MX" smtClean="0"/>
-              <a:t>28/02/2024</a:t>
+              <a:t>04/03/2024</a:t>
             </a:fld>
             <a:endParaRPr lang="es-MX"/>
           </a:p>
@@ -1048,7 +1051,7 @@
           <a:p>
             <a:fld id="{7E71651A-C82F-4681-A516-2EF0C18AA360}" type="datetimeFigureOut">
               <a:rPr lang="es-MX" smtClean="0"/>
-              <a:t>28/02/2024</a:t>
+              <a:t>04/03/2024</a:t>
             </a:fld>
             <a:endParaRPr lang="es-MX"/>
           </a:p>
@@ -1474,7 +1477,7 @@
           <a:p>
             <a:fld id="{7E71651A-C82F-4681-A516-2EF0C18AA360}" type="datetimeFigureOut">
               <a:rPr lang="es-MX" smtClean="0"/>
-              <a:t>28/02/2024</a:t>
+              <a:t>04/03/2024</a:t>
             </a:fld>
             <a:endParaRPr lang="es-MX"/>
           </a:p>
@@ -2020,7 +2023,7 @@
           <a:p>
             <a:fld id="{7E71651A-C82F-4681-A516-2EF0C18AA360}" type="datetimeFigureOut">
               <a:rPr lang="es-MX" smtClean="0"/>
-              <a:t>28/02/2024</a:t>
+              <a:t>04/03/2024</a:t>
             </a:fld>
             <a:endParaRPr lang="es-MX"/>
           </a:p>
@@ -2851,7 +2854,7 @@
           <a:p>
             <a:fld id="{7E71651A-C82F-4681-A516-2EF0C18AA360}" type="datetimeFigureOut">
               <a:rPr lang="es-MX" smtClean="0"/>
-              <a:t>28/02/2024</a:t>
+              <a:t>04/03/2024</a:t>
             </a:fld>
             <a:endParaRPr lang="es-MX"/>
           </a:p>
@@ -3021,7 +3024,7 @@
           <a:p>
             <a:fld id="{7E71651A-C82F-4681-A516-2EF0C18AA360}" type="datetimeFigureOut">
               <a:rPr lang="es-MX" smtClean="0"/>
-              <a:t>28/02/2024</a:t>
+              <a:t>04/03/2024</a:t>
             </a:fld>
             <a:endParaRPr lang="es-MX"/>
           </a:p>
@@ -3201,7 +3204,7 @@
           <a:p>
             <a:fld id="{7E71651A-C82F-4681-A516-2EF0C18AA360}" type="datetimeFigureOut">
               <a:rPr lang="es-MX" smtClean="0"/>
-              <a:t>28/02/2024</a:t>
+              <a:t>04/03/2024</a:t>
             </a:fld>
             <a:endParaRPr lang="es-MX"/>
           </a:p>
@@ -3371,7 +3374,7 @@
           <a:p>
             <a:fld id="{7E71651A-C82F-4681-A516-2EF0C18AA360}" type="datetimeFigureOut">
               <a:rPr lang="es-MX" smtClean="0"/>
-              <a:t>28/02/2024</a:t>
+              <a:t>04/03/2024</a:t>
             </a:fld>
             <a:endParaRPr lang="es-MX"/>
           </a:p>
@@ -3628,7 +3631,7 @@
           <a:p>
             <a:fld id="{7E71651A-C82F-4681-A516-2EF0C18AA360}" type="datetimeFigureOut">
               <a:rPr lang="es-MX" smtClean="0"/>
-              <a:t>28/02/2024</a:t>
+              <a:t>04/03/2024</a:t>
             </a:fld>
             <a:endParaRPr lang="es-MX"/>
           </a:p>
@@ -3860,7 +3863,7 @@
           <a:p>
             <a:fld id="{7E71651A-C82F-4681-A516-2EF0C18AA360}" type="datetimeFigureOut">
               <a:rPr lang="es-MX" smtClean="0"/>
-              <a:t>28/02/2024</a:t>
+              <a:t>04/03/2024</a:t>
             </a:fld>
             <a:endParaRPr lang="es-MX"/>
           </a:p>
@@ -4253,7 +4256,7 @@
           <a:p>
             <a:fld id="{7E71651A-C82F-4681-A516-2EF0C18AA360}" type="datetimeFigureOut">
               <a:rPr lang="es-MX" smtClean="0"/>
-              <a:t>28/02/2024</a:t>
+              <a:t>04/03/2024</a:t>
             </a:fld>
             <a:endParaRPr lang="es-MX"/>
           </a:p>
@@ -4371,7 +4374,7 @@
           <a:p>
             <a:fld id="{7E71651A-C82F-4681-A516-2EF0C18AA360}" type="datetimeFigureOut">
               <a:rPr lang="es-MX" smtClean="0"/>
-              <a:t>28/02/2024</a:t>
+              <a:t>04/03/2024</a:t>
             </a:fld>
             <a:endParaRPr lang="es-MX"/>
           </a:p>
@@ -4466,7 +4469,7 @@
           <a:p>
             <a:fld id="{7E71651A-C82F-4681-A516-2EF0C18AA360}" type="datetimeFigureOut">
               <a:rPr lang="es-MX" smtClean="0"/>
-              <a:t>28/02/2024</a:t>
+              <a:t>04/03/2024</a:t>
             </a:fld>
             <a:endParaRPr lang="es-MX"/>
           </a:p>
@@ -4739,7 +4742,7 @@
           <a:p>
             <a:fld id="{7E71651A-C82F-4681-A516-2EF0C18AA360}" type="datetimeFigureOut">
               <a:rPr lang="es-MX" smtClean="0"/>
-              <a:t>28/02/2024</a:t>
+              <a:t>04/03/2024</a:t>
             </a:fld>
             <a:endParaRPr lang="es-MX"/>
           </a:p>
@@ -5020,7 +5023,7 @@
           <a:p>
             <a:fld id="{7E71651A-C82F-4681-A516-2EF0C18AA360}" type="datetimeFigureOut">
               <a:rPr lang="es-MX" smtClean="0"/>
-              <a:t>28/02/2024</a:t>
+              <a:t>04/03/2024</a:t>
             </a:fld>
             <a:endParaRPr lang="es-MX"/>
           </a:p>
@@ -5260,7 +5263,7 @@
           <a:p>
             <a:fld id="{7E71651A-C82F-4681-A516-2EF0C18AA360}" type="datetimeFigureOut">
               <a:rPr lang="es-MX" smtClean="0"/>
-              <a:t>28/02/2024</a:t>
+              <a:t>04/03/2024</a:t>
             </a:fld>
             <a:endParaRPr lang="es-MX"/>
           </a:p>
@@ -5900,6 +5903,156 @@
 </p:sld>
 </file>
 
+<file path=ppt/slides/slide10.xml><?xml version="1.0" encoding="utf-8"?>
+<p:sld xmlns:a="http://schemas.openxmlformats.org/drawingml/2006/main" xmlns:r="http://schemas.openxmlformats.org/officeDocument/2006/relationships" xmlns:p="http://schemas.openxmlformats.org/presentationml/2006/main">
+  <p:cSld>
+    <p:spTree>
+      <p:nvGrpSpPr>
+        <p:cNvPr id="1" name=""/>
+        <p:cNvGrpSpPr/>
+        <p:nvPr/>
+      </p:nvGrpSpPr>
+      <p:grpSpPr>
+        <a:xfrm>
+          <a:off x="0" y="0"/>
+          <a:ext cx="0" cy="0"/>
+          <a:chOff x="0" y="0"/>
+          <a:chExt cx="0" cy="0"/>
+        </a:xfrm>
+      </p:grpSpPr>
+      <p:sp>
+        <p:nvSpPr>
+          <p:cNvPr id="2" name="Título 1">
+            <a:extLst>
+              <a:ext uri="{FF2B5EF4-FFF2-40B4-BE49-F238E27FC236}">
+                <a16:creationId xmlns:a16="http://schemas.microsoft.com/office/drawing/2014/main" id="{DCEED3AA-1D97-4C21-ACE9-219CA243733B}"/>
+              </a:ext>
+            </a:extLst>
+          </p:cNvPr>
+          <p:cNvSpPr>
+            <a:spLocks noGrp="1"/>
+          </p:cNvSpPr>
+          <p:nvPr>
+            <p:ph type="title"/>
+          </p:nvPr>
+        </p:nvSpPr>
+        <p:spPr>
+          <a:xfrm>
+            <a:off x="393583" y="365125"/>
+            <a:ext cx="3381462" cy="1325563"/>
+          </a:xfrm>
+        </p:spPr>
+        <p:txBody>
+          <a:bodyPr/>
+          <a:lstStyle/>
+          <a:p>
+            <a:r>
+              <a:rPr lang="es-MX" dirty="0" err="1"/>
+              <a:t>elif</a:t>
+            </a:r>
+            <a:endParaRPr lang="es-MX" dirty="0"/>
+          </a:p>
+        </p:txBody>
+      </p:sp>
+      <p:sp>
+        <p:nvSpPr>
+          <p:cNvPr id="3" name="Marcador de contenido 2">
+            <a:extLst>
+              <a:ext uri="{FF2B5EF4-FFF2-40B4-BE49-F238E27FC236}">
+                <a16:creationId xmlns:a16="http://schemas.microsoft.com/office/drawing/2014/main" id="{4224932F-6D9D-4B99-968B-4E95A4978284}"/>
+              </a:ext>
+            </a:extLst>
+          </p:cNvPr>
+          <p:cNvSpPr>
+            <a:spLocks noGrp="1"/>
+          </p:cNvSpPr>
+          <p:nvPr>
+            <p:ph idx="1"/>
+          </p:nvPr>
+        </p:nvSpPr>
+        <p:spPr/>
+        <p:txBody>
+          <a:bodyPr/>
+          <a:lstStyle/>
+          <a:p>
+            <a:r>
+              <a:rPr lang="es-MX" dirty="0"/>
+              <a:t>Realiza el código…</a:t>
+            </a:r>
+          </a:p>
+          <a:p>
+            <a:endParaRPr lang="es-MX" dirty="0"/>
+          </a:p>
+          <a:p>
+            <a:endParaRPr lang="es-MX" dirty="0"/>
+          </a:p>
+          <a:p>
+            <a:endParaRPr lang="es-MX" dirty="0"/>
+          </a:p>
+          <a:p>
+            <a:endParaRPr lang="es-MX" dirty="0"/>
+          </a:p>
+          <a:p>
+            <a:endParaRPr lang="es-MX" dirty="0"/>
+          </a:p>
+          <a:p>
+            <a:endParaRPr lang="es-MX" dirty="0"/>
+          </a:p>
+          <a:p>
+            <a:r>
+              <a:rPr lang="es-MX" dirty="0">
+                <a:solidFill>
+                  <a:srgbClr val="FF0000"/>
+                </a:solidFill>
+              </a:rPr>
+              <a:t>¿Es importante el orden? </a:t>
+            </a:r>
+          </a:p>
+        </p:txBody>
+      </p:sp>
+      <p:pic>
+        <p:nvPicPr>
+          <p:cNvPr id="4" name="Imagen 3">
+            <a:extLst>
+              <a:ext uri="{FF2B5EF4-FFF2-40B4-BE49-F238E27FC236}">
+                <a16:creationId xmlns:a16="http://schemas.microsoft.com/office/drawing/2014/main" id="{18A261A6-0739-42F9-81B8-17E98670230B}"/>
+              </a:ext>
+            </a:extLst>
+          </p:cNvPr>
+          <p:cNvPicPr>
+            <a:picLocks noChangeAspect="1"/>
+          </p:cNvPicPr>
+          <p:nvPr/>
+        </p:nvPicPr>
+        <p:blipFill>
+          <a:blip r:embed="rId2"/>
+          <a:stretch>
+            <a:fillRect/>
+          </a:stretch>
+        </p:blipFill>
+        <p:spPr>
+          <a:xfrm>
+            <a:off x="5739712" y="365125"/>
+            <a:ext cx="4947862" cy="6302634"/>
+          </a:xfrm>
+          <a:prstGeom prst="rect">
+            <a:avLst/>
+          </a:prstGeom>
+        </p:spPr>
+      </p:pic>
+    </p:spTree>
+    <p:extLst>
+      <p:ext uri="{BB962C8B-B14F-4D97-AF65-F5344CB8AC3E}">
+        <p14:creationId xmlns:p14="http://schemas.microsoft.com/office/powerpoint/2010/main" val="1168004753"/>
+      </p:ext>
+    </p:extLst>
+  </p:cSld>
+  <p:clrMapOvr>
+    <a:masterClrMapping/>
+  </p:clrMapOvr>
+</p:sld>
+</file>
+
 <file path=ppt/slides/slide2.xml><?xml version="1.0" encoding="utf-8"?>
 <p:sld xmlns:a="http://schemas.openxmlformats.org/drawingml/2006/main" xmlns:r="http://schemas.openxmlformats.org/officeDocument/2006/relationships" xmlns:p="http://schemas.openxmlformats.org/presentationml/2006/main">
   <p:cSld>
@@ -6497,6 +6650,227 @@
     <p:extLst>
       <p:ext uri="{BB962C8B-B14F-4D97-AF65-F5344CB8AC3E}">
         <p14:creationId xmlns:p14="http://schemas.microsoft.com/office/powerpoint/2010/main" val="3072875484"/>
+      </p:ext>
+    </p:extLst>
+  </p:cSld>
+  <p:clrMapOvr>
+    <a:masterClrMapping/>
+  </p:clrMapOvr>
+</p:sld>
+</file>
+
+<file path=ppt/slides/slide8.xml><?xml version="1.0" encoding="utf-8"?>
+<p:sld xmlns:a="http://schemas.openxmlformats.org/drawingml/2006/main" xmlns:r="http://schemas.openxmlformats.org/officeDocument/2006/relationships" xmlns:p="http://schemas.openxmlformats.org/presentationml/2006/main">
+  <p:cSld>
+    <p:spTree>
+      <p:nvGrpSpPr>
+        <p:cNvPr id="1" name=""/>
+        <p:cNvGrpSpPr/>
+        <p:nvPr/>
+      </p:nvGrpSpPr>
+      <p:grpSpPr>
+        <a:xfrm>
+          <a:off x="0" y="0"/>
+          <a:ext cx="0" cy="0"/>
+          <a:chOff x="0" y="0"/>
+          <a:chExt cx="0" cy="0"/>
+        </a:xfrm>
+      </p:grpSpPr>
+      <p:sp>
+        <p:nvSpPr>
+          <p:cNvPr id="2" name="Título 1">
+            <a:extLst>
+              <a:ext uri="{FF2B5EF4-FFF2-40B4-BE49-F238E27FC236}">
+                <a16:creationId xmlns:a16="http://schemas.microsoft.com/office/drawing/2014/main" id="{DCEED3AA-1D97-4C21-ACE9-219CA243733B}"/>
+              </a:ext>
+            </a:extLst>
+          </p:cNvPr>
+          <p:cNvSpPr>
+            <a:spLocks noGrp="1"/>
+          </p:cNvSpPr>
+          <p:nvPr>
+            <p:ph type="title"/>
+          </p:nvPr>
+        </p:nvSpPr>
+        <p:spPr/>
+        <p:txBody>
+          <a:bodyPr/>
+          <a:lstStyle/>
+          <a:p>
+            <a:r>
+              <a:rPr lang="en-US" dirty="0" err="1"/>
+              <a:t>Bloques</a:t>
+            </a:r>
+            <a:r>
+              <a:rPr lang="en-US" dirty="0"/>
+              <a:t> de </a:t>
+            </a:r>
+            <a:r>
+              <a:rPr lang="en-US" dirty="0" err="1"/>
+              <a:t>código</a:t>
+            </a:r>
+            <a:endParaRPr lang="es-MX" dirty="0"/>
+          </a:p>
+        </p:txBody>
+      </p:sp>
+      <p:pic>
+        <p:nvPicPr>
+          <p:cNvPr id="5" name="Imagen 4">
+            <a:extLst>
+              <a:ext uri="{FF2B5EF4-FFF2-40B4-BE49-F238E27FC236}">
+                <a16:creationId xmlns:a16="http://schemas.microsoft.com/office/drawing/2014/main" id="{22D50FC0-7B84-422A-B70A-16A0F26B70DE}"/>
+              </a:ext>
+            </a:extLst>
+          </p:cNvPr>
+          <p:cNvPicPr>
+            <a:picLocks noChangeAspect="1"/>
+          </p:cNvPicPr>
+          <p:nvPr/>
+        </p:nvPicPr>
+        <p:blipFill>
+          <a:blip r:embed="rId2"/>
+          <a:stretch>
+            <a:fillRect/>
+          </a:stretch>
+        </p:blipFill>
+        <p:spPr>
+          <a:xfrm>
+            <a:off x="838200" y="1913731"/>
+            <a:ext cx="9712063" cy="2238820"/>
+          </a:xfrm>
+          <a:prstGeom prst="rect">
+            <a:avLst/>
+          </a:prstGeom>
+        </p:spPr>
+      </p:pic>
+    </p:spTree>
+    <p:extLst>
+      <p:ext uri="{BB962C8B-B14F-4D97-AF65-F5344CB8AC3E}">
+        <p14:creationId xmlns:p14="http://schemas.microsoft.com/office/powerpoint/2010/main" val="2243797295"/>
+      </p:ext>
+    </p:extLst>
+  </p:cSld>
+  <p:clrMapOvr>
+    <a:masterClrMapping/>
+  </p:clrMapOvr>
+</p:sld>
+</file>
+
+<file path=ppt/slides/slide9.xml><?xml version="1.0" encoding="utf-8"?>
+<p:sld xmlns:a="http://schemas.openxmlformats.org/drawingml/2006/main" xmlns:r="http://schemas.openxmlformats.org/officeDocument/2006/relationships" xmlns:p="http://schemas.openxmlformats.org/presentationml/2006/main">
+  <p:cSld>
+    <p:spTree>
+      <p:nvGrpSpPr>
+        <p:cNvPr id="1" name=""/>
+        <p:cNvGrpSpPr/>
+        <p:nvPr/>
+      </p:nvGrpSpPr>
+      <p:grpSpPr>
+        <a:xfrm>
+          <a:off x="0" y="0"/>
+          <a:ext cx="0" cy="0"/>
+          <a:chOff x="0" y="0"/>
+          <a:chExt cx="0" cy="0"/>
+        </a:xfrm>
+      </p:grpSpPr>
+      <p:sp>
+        <p:nvSpPr>
+          <p:cNvPr id="2" name="Título 1">
+            <a:extLst>
+              <a:ext uri="{FF2B5EF4-FFF2-40B4-BE49-F238E27FC236}">
+                <a16:creationId xmlns:a16="http://schemas.microsoft.com/office/drawing/2014/main" id="{DCEED3AA-1D97-4C21-ACE9-219CA243733B}"/>
+              </a:ext>
+            </a:extLst>
+          </p:cNvPr>
+          <p:cNvSpPr>
+            <a:spLocks noGrp="1"/>
+          </p:cNvSpPr>
+          <p:nvPr>
+            <p:ph type="title"/>
+          </p:nvPr>
+        </p:nvSpPr>
+        <p:spPr>
+          <a:xfrm>
+            <a:off x="368417" y="373514"/>
+            <a:ext cx="10515600" cy="1325563"/>
+          </a:xfrm>
+        </p:spPr>
+        <p:txBody>
+          <a:bodyPr/>
+          <a:lstStyle/>
+          <a:p>
+            <a:r>
+              <a:rPr lang="es-MX" dirty="0" err="1"/>
+              <a:t>elif</a:t>
+            </a:r>
+            <a:endParaRPr lang="es-MX" dirty="0"/>
+          </a:p>
+        </p:txBody>
+      </p:sp>
+      <p:pic>
+        <p:nvPicPr>
+          <p:cNvPr id="5" name="Imagen 4">
+            <a:extLst>
+              <a:ext uri="{FF2B5EF4-FFF2-40B4-BE49-F238E27FC236}">
+                <a16:creationId xmlns:a16="http://schemas.microsoft.com/office/drawing/2014/main" id="{930CA2EF-8A65-490B-A418-B25E2B9F2282}"/>
+              </a:ext>
+            </a:extLst>
+          </p:cNvPr>
+          <p:cNvPicPr>
+            <a:picLocks noChangeAspect="1"/>
+          </p:cNvPicPr>
+          <p:nvPr/>
+        </p:nvPicPr>
+        <p:blipFill>
+          <a:blip r:embed="rId2"/>
+          <a:stretch>
+            <a:fillRect/>
+          </a:stretch>
+        </p:blipFill>
+        <p:spPr>
+          <a:xfrm>
+            <a:off x="1668566" y="167779"/>
+            <a:ext cx="4186306" cy="5762446"/>
+          </a:xfrm>
+          <a:prstGeom prst="rect">
+            <a:avLst/>
+          </a:prstGeom>
+        </p:spPr>
+      </p:pic>
+      <p:pic>
+        <p:nvPicPr>
+          <p:cNvPr id="9" name="Imagen 8">
+            <a:extLst>
+              <a:ext uri="{FF2B5EF4-FFF2-40B4-BE49-F238E27FC236}">
+                <a16:creationId xmlns:a16="http://schemas.microsoft.com/office/drawing/2014/main" id="{D06A7B33-E3FF-4EA2-96D5-29CF8AB9E367}"/>
+              </a:ext>
+            </a:extLst>
+          </p:cNvPr>
+          <p:cNvPicPr>
+            <a:picLocks noChangeAspect="1"/>
+          </p:cNvPicPr>
+          <p:nvPr/>
+        </p:nvPicPr>
+        <p:blipFill>
+          <a:blip r:embed="rId3"/>
+          <a:stretch>
+            <a:fillRect/>
+          </a:stretch>
+        </p:blipFill>
+        <p:spPr>
+          <a:xfrm>
+            <a:off x="5963632" y="2324926"/>
+            <a:ext cx="6158867" cy="2208147"/>
+          </a:xfrm>
+          <a:prstGeom prst="rect">
+            <a:avLst/>
+          </a:prstGeom>
+        </p:spPr>
+      </p:pic>
+    </p:spTree>
+    <p:extLst>
+      <p:ext uri="{BB962C8B-B14F-4D97-AF65-F5344CB8AC3E}">
+        <p14:creationId xmlns:p14="http://schemas.microsoft.com/office/powerpoint/2010/main" val="1503219895"/>
       </p:ext>
     </p:extLst>
   </p:cSld>
